--- a/slides/mug-30-slides-emiliano.pptx
+++ b/slides/mug-30-slides-emiliano.pptx
@@ -7212,18 +7212,18 @@
           <a:p>
             <a:pPr algn="ctr"/>
             <a:r>
-              <a:rPr lang="en-GB" dirty="0"/>
+              <a:rPr lang="en-GB" b="1" dirty="0"/>
               <a:t>¿Que es lo que </a:t>
             </a:r>
             <a:r>
-              <a:rPr lang="en-GB" dirty="0" err="1"/>
+              <a:rPr lang="en-GB" b="1" dirty="0" err="1"/>
               <a:t>tenemos</a:t>
             </a:r>
             <a:r>
-              <a:rPr lang="en-GB" dirty="0"/>
+              <a:rPr lang="en-GB" b="1" dirty="0"/>
               <a:t>?</a:t>
             </a:r>
-            <a:endParaRPr lang="en-US" dirty="0"/>
+            <a:endParaRPr lang="en-US" b="1" dirty="0"/>
           </a:p>
         </p:txBody>
       </p:sp>
@@ -7771,7 +7771,7 @@
         </p:nvSpPr>
         <p:spPr>
           <a:xfrm>
-            <a:off x="5768031" y="995473"/>
+            <a:off x="5907609" y="991305"/>
             <a:ext cx="5970494" cy="553998"/>
           </a:xfrm>
           <a:prstGeom prst="rect">
@@ -7802,18 +7802,18 @@
           <a:p>
             <a:pPr algn="ctr"/>
             <a:r>
-              <a:rPr lang="en-GB" dirty="0"/>
+              <a:rPr lang="en-GB" b="1" dirty="0"/>
               <a:t>¿Que es lo que </a:t>
             </a:r>
             <a:r>
-              <a:rPr lang="en-GB" dirty="0" err="1"/>
+              <a:rPr lang="en-GB" b="1" dirty="0" err="1"/>
               <a:t>queremos</a:t>
             </a:r>
             <a:r>
-              <a:rPr lang="en-GB" dirty="0"/>
+              <a:rPr lang="en-GB" b="1" dirty="0"/>
               <a:t>?</a:t>
             </a:r>
-            <a:endParaRPr lang="en-US" dirty="0"/>
+            <a:endParaRPr lang="en-US" b="1" dirty="0"/>
           </a:p>
         </p:txBody>
       </p:sp>
@@ -7833,7 +7833,7 @@
         </p:nvCxnSpPr>
         <p:spPr>
           <a:xfrm>
-            <a:off x="8753278" y="1549471"/>
+            <a:off x="8892856" y="1545303"/>
             <a:ext cx="0" cy="817590"/>
           </a:xfrm>
           <a:prstGeom prst="straightConnector1">
@@ -7985,6 +7985,288 @@
       </p:transition>
     </mc:Fallback>
   </mc:AlternateContent>
+  <p:timing>
+    <p:tnLst>
+      <p:par>
+        <p:cTn id="1" dur="indefinite" restart="never" nodeType="tmRoot">
+          <p:childTnLst>
+            <p:seq concurrent="1" nextAc="seek">
+              <p:cTn id="2" dur="indefinite" nodeType="mainSeq">
+                <p:childTnLst>
+                  <p:par>
+                    <p:cTn id="3" fill="hold">
+                      <p:stCondLst>
+                        <p:cond delay="indefinite"/>
+                      </p:stCondLst>
+                      <p:childTnLst>
+                        <p:par>
+                          <p:cTn id="4" fill="hold">
+                            <p:stCondLst>
+                              <p:cond delay="0"/>
+                            </p:stCondLst>
+                            <p:childTnLst>
+                              <p:par>
+                                <p:cTn id="5" presetID="10" presetClass="entr" presetSubtype="0" fill="hold" grpId="0" nodeType="clickEffect">
+                                  <p:stCondLst>
+                                    <p:cond delay="0"/>
+                                  </p:stCondLst>
+                                  <p:childTnLst>
+                                    <p:set>
+                                      <p:cBhvr>
+                                        <p:cTn id="6" dur="1" fill="hold">
+                                          <p:stCondLst>
+                                            <p:cond delay="0"/>
+                                          </p:stCondLst>
+                                        </p:cTn>
+                                        <p:tgtEl>
+                                          <p:spTgt spid="4"/>
+                                        </p:tgtEl>
+                                        <p:attrNameLst>
+                                          <p:attrName>style.visibility</p:attrName>
+                                        </p:attrNameLst>
+                                      </p:cBhvr>
+                                      <p:to>
+                                        <p:strVal val="visible"/>
+                                      </p:to>
+                                    </p:set>
+                                    <p:animEffect transition="in" filter="fade">
+                                      <p:cBhvr>
+                                        <p:cTn id="7" dur="500"/>
+                                        <p:tgtEl>
+                                          <p:spTgt spid="4"/>
+                                        </p:tgtEl>
+                                      </p:cBhvr>
+                                    </p:animEffect>
+                                  </p:childTnLst>
+                                </p:cTn>
+                              </p:par>
+                              <p:par>
+                                <p:cTn id="8" presetID="10" presetClass="entr" presetSubtype="0" fill="hold" nodeType="withEffect">
+                                  <p:stCondLst>
+                                    <p:cond delay="0"/>
+                                  </p:stCondLst>
+                                  <p:childTnLst>
+                                    <p:set>
+                                      <p:cBhvr>
+                                        <p:cTn id="9" dur="1" fill="hold">
+                                          <p:stCondLst>
+                                            <p:cond delay="0"/>
+                                          </p:stCondLst>
+                                        </p:cTn>
+                                        <p:tgtEl>
+                                          <p:spTgt spid="9"/>
+                                        </p:tgtEl>
+                                        <p:attrNameLst>
+                                          <p:attrName>style.visibility</p:attrName>
+                                        </p:attrNameLst>
+                                      </p:cBhvr>
+                                      <p:to>
+                                        <p:strVal val="visible"/>
+                                      </p:to>
+                                    </p:set>
+                                    <p:animEffect transition="in" filter="fade">
+                                      <p:cBhvr>
+                                        <p:cTn id="10" dur="500"/>
+                                        <p:tgtEl>
+                                          <p:spTgt spid="9"/>
+                                        </p:tgtEl>
+                                      </p:cBhvr>
+                                    </p:animEffect>
+                                  </p:childTnLst>
+                                </p:cTn>
+                              </p:par>
+                              <p:par>
+                                <p:cTn id="11" presetID="10" presetClass="entr" presetSubtype="0" fill="hold" grpId="0" nodeType="withEffect">
+                                  <p:stCondLst>
+                                    <p:cond delay="0"/>
+                                  </p:stCondLst>
+                                  <p:childTnLst>
+                                    <p:set>
+                                      <p:cBhvr>
+                                        <p:cTn id="12" dur="1" fill="hold">
+                                          <p:stCondLst>
+                                            <p:cond delay="0"/>
+                                          </p:stCondLst>
+                                        </p:cTn>
+                                        <p:tgtEl>
+                                          <p:spTgt spid="3"/>
+                                        </p:tgtEl>
+                                        <p:attrNameLst>
+                                          <p:attrName>style.visibility</p:attrName>
+                                        </p:attrNameLst>
+                                      </p:cBhvr>
+                                      <p:to>
+                                        <p:strVal val="visible"/>
+                                      </p:to>
+                                    </p:set>
+                                    <p:animEffect transition="in" filter="fade">
+                                      <p:cBhvr>
+                                        <p:cTn id="13" dur="500"/>
+                                        <p:tgtEl>
+                                          <p:spTgt spid="3"/>
+                                        </p:tgtEl>
+                                      </p:cBhvr>
+                                    </p:animEffect>
+                                  </p:childTnLst>
+                                </p:cTn>
+                              </p:par>
+                            </p:childTnLst>
+                          </p:cTn>
+                        </p:par>
+                      </p:childTnLst>
+                    </p:cTn>
+                  </p:par>
+                  <p:par>
+                    <p:cTn id="14" fill="hold">
+                      <p:stCondLst>
+                        <p:cond delay="indefinite"/>
+                      </p:stCondLst>
+                      <p:childTnLst>
+                        <p:par>
+                          <p:cTn id="15" fill="hold">
+                            <p:stCondLst>
+                              <p:cond delay="0"/>
+                            </p:stCondLst>
+                            <p:childTnLst>
+                              <p:par>
+                                <p:cTn id="16" presetID="10" presetClass="entr" presetSubtype="0" fill="hold" grpId="0" nodeType="clickEffect">
+                                  <p:stCondLst>
+                                    <p:cond delay="0"/>
+                                  </p:stCondLst>
+                                  <p:childTnLst>
+                                    <p:set>
+                                      <p:cBhvr>
+                                        <p:cTn id="17" dur="1" fill="hold">
+                                          <p:stCondLst>
+                                            <p:cond delay="0"/>
+                                          </p:stCondLst>
+                                        </p:cTn>
+                                        <p:tgtEl>
+                                          <p:spTgt spid="6"/>
+                                        </p:tgtEl>
+                                        <p:attrNameLst>
+                                          <p:attrName>style.visibility</p:attrName>
+                                        </p:attrNameLst>
+                                      </p:cBhvr>
+                                      <p:to>
+                                        <p:strVal val="visible"/>
+                                      </p:to>
+                                    </p:set>
+                                    <p:animEffect transition="in" filter="fade">
+                                      <p:cBhvr>
+                                        <p:cTn id="18" dur="500"/>
+                                        <p:tgtEl>
+                                          <p:spTgt spid="6"/>
+                                        </p:tgtEl>
+                                      </p:cBhvr>
+                                    </p:animEffect>
+                                  </p:childTnLst>
+                                </p:cTn>
+                              </p:par>
+                              <p:par>
+                                <p:cTn id="19" presetID="10" presetClass="entr" presetSubtype="0" fill="hold" nodeType="withEffect">
+                                  <p:stCondLst>
+                                    <p:cond delay="0"/>
+                                  </p:stCondLst>
+                                  <p:childTnLst>
+                                    <p:set>
+                                      <p:cBhvr>
+                                        <p:cTn id="20" dur="1" fill="hold">
+                                          <p:stCondLst>
+                                            <p:cond delay="0"/>
+                                          </p:stCondLst>
+                                        </p:cTn>
+                                        <p:tgtEl>
+                                          <p:spTgt spid="8"/>
+                                        </p:tgtEl>
+                                        <p:attrNameLst>
+                                          <p:attrName>style.visibility</p:attrName>
+                                        </p:attrNameLst>
+                                      </p:cBhvr>
+                                      <p:to>
+                                        <p:strVal val="visible"/>
+                                      </p:to>
+                                    </p:set>
+                                    <p:animEffect transition="in" filter="fade">
+                                      <p:cBhvr>
+                                        <p:cTn id="21" dur="500"/>
+                                        <p:tgtEl>
+                                          <p:spTgt spid="8"/>
+                                        </p:tgtEl>
+                                      </p:cBhvr>
+                                    </p:animEffect>
+                                  </p:childTnLst>
+                                </p:cTn>
+                              </p:par>
+                              <p:par>
+                                <p:cTn id="22" presetID="10" presetClass="entr" presetSubtype="0" fill="hold" grpId="0" nodeType="withEffect">
+                                  <p:stCondLst>
+                                    <p:cond delay="0"/>
+                                  </p:stCondLst>
+                                  <p:childTnLst>
+                                    <p:set>
+                                      <p:cBhvr>
+                                        <p:cTn id="23" dur="1" fill="hold">
+                                          <p:stCondLst>
+                                            <p:cond delay="0"/>
+                                          </p:stCondLst>
+                                        </p:cTn>
+                                        <p:tgtEl>
+                                          <p:spTgt spid="5"/>
+                                        </p:tgtEl>
+                                        <p:attrNameLst>
+                                          <p:attrName>style.visibility</p:attrName>
+                                        </p:attrNameLst>
+                                      </p:cBhvr>
+                                      <p:to>
+                                        <p:strVal val="visible"/>
+                                      </p:to>
+                                    </p:set>
+                                    <p:animEffect transition="in" filter="fade">
+                                      <p:cBhvr>
+                                        <p:cTn id="24" dur="500"/>
+                                        <p:tgtEl>
+                                          <p:spTgt spid="5"/>
+                                        </p:tgtEl>
+                                      </p:cBhvr>
+                                    </p:animEffect>
+                                  </p:childTnLst>
+                                </p:cTn>
+                              </p:par>
+                            </p:childTnLst>
+                          </p:cTn>
+                        </p:par>
+                      </p:childTnLst>
+                    </p:cTn>
+                  </p:par>
+                </p:childTnLst>
+              </p:cTn>
+              <p:prevCondLst>
+                <p:cond evt="onPrev" delay="0">
+                  <p:tgtEl>
+                    <p:sldTgt/>
+                  </p:tgtEl>
+                </p:cond>
+              </p:prevCondLst>
+              <p:nextCondLst>
+                <p:cond evt="onNext" delay="0">
+                  <p:tgtEl>
+                    <p:sldTgt/>
+                  </p:tgtEl>
+                </p:cond>
+              </p:nextCondLst>
+            </p:seq>
+          </p:childTnLst>
+        </p:cTn>
+      </p:par>
+    </p:tnLst>
+    <p:bldLst>
+      <p:bldP spid="3" grpId="0"/>
+      <p:bldP spid="4" grpId="0"/>
+      <p:bldP spid="5" grpId="0"/>
+      <p:bldP spid="6" grpId="0"/>
+    </p:bldLst>
+  </p:timing>
 </p:sld>
 </file>
 
@@ -8099,11 +8381,11 @@
               <a:t> mi </a:t>
             </a:r>
             <a:r>
-              <a:rPr lang="en-US" sz="6000" dirty="0" err="1">
+              <a:rPr lang="en-US" sz="6000">
                 <a:latin typeface="Segoe UI Semibold"/>
                 <a:cs typeface="Segoe UI"/>
               </a:rPr>
-              <a:t>aplicacion</a:t>
+              <a:t>aplicación</a:t>
             </a:r>
             <a:r>
               <a:rPr lang="en-US" sz="6000" dirty="0">
@@ -9826,15 +10108,6 @@
 </file>
 
 <file path=customXml/item1.xml><?xml version="1.0" encoding="utf-8"?>
-<?mso-contentType ?>
-<FormTemplates xmlns="http://schemas.microsoft.com/sharepoint/v3/contenttype/forms">
-  <Display>DocumentLibraryForm</Display>
-  <Edit>DocumentLibraryForm</Edit>
-  <New>DocumentLibraryForm</New>
-</FormTemplates>
-</file>
-
-<file path=customXml/item2.xml><?xml version="1.0" encoding="utf-8"?>
 <ct:contentTypeSchema xmlns:ct="http://schemas.microsoft.com/office/2006/metadata/contentType" xmlns:ma="http://schemas.microsoft.com/office/2006/metadata/properties/metaAttributes" ct:_="" ma:_="" ma:contentTypeName="Document" ma:contentTypeID="0x010100EC4076569D0A4E449E6AC350D8F7721A" ma:contentTypeVersion="12" ma:contentTypeDescription="Create a new document." ma:contentTypeScope="" ma:versionID="75e0ebd387c366017a046448cacca873">
   <xsd:schema xmlns:xsd="http://www.w3.org/2001/XMLSchema" xmlns:xs="http://www.w3.org/2001/XMLSchema" xmlns:p="http://schemas.microsoft.com/office/2006/metadata/properties" xmlns:ns2="48dbce43-5633-490d-9535-9e4e045234ca" xmlns:ns3="be359023-b886-4081-ad41-f77aff059be4" targetNamespace="http://schemas.microsoft.com/office/2006/metadata/properties" ma:root="true" ma:fieldsID="5a47a06b2bf28f9c62efaa1adaece95e" ns2:_="" ns3:_="">
     <xsd:import namespace="48dbce43-5633-490d-9535-9e4e045234ca"/>
@@ -10035,6 +10308,15 @@
 </ct:contentTypeSchema>
 </file>
 
+<file path=customXml/item2.xml><?xml version="1.0" encoding="utf-8"?>
+<?mso-contentType ?>
+<FormTemplates xmlns="http://schemas.microsoft.com/sharepoint/v3/contenttype/forms">
+  <Display>DocumentLibraryForm</Display>
+  <Edit>DocumentLibraryForm</Edit>
+  <New>DocumentLibraryForm</New>
+</FormTemplates>
+</file>
+
 <file path=customXml/item3.xml><?xml version="1.0" encoding="utf-8"?>
 <p:properties xmlns:p="http://schemas.microsoft.com/office/2006/metadata/properties" xmlns:xsi="http://www.w3.org/2001/XMLSchema-instance" xmlns:pc="http://schemas.microsoft.com/office/infopath/2007/PartnerControls">
   <documentManagement>
@@ -10047,14 +10329,6 @@
 </file>
 
 <file path=customXml/itemProps1.xml><?xml version="1.0" encoding="utf-8"?>
-<ds:datastoreItem xmlns:ds="http://schemas.openxmlformats.org/officeDocument/2006/customXml" ds:itemID="{EEBBB74C-B5CF-4183-A3F1-CDB4EE8B2D6C}">
-  <ds:schemaRefs>
-    <ds:schemaRef ds:uri="http://schemas.microsoft.com/sharepoint/v3/contenttype/forms"/>
-  </ds:schemaRefs>
-</ds:datastoreItem>
-</file>
-
-<file path=customXml/itemProps2.xml><?xml version="1.0" encoding="utf-8"?>
 <ds:datastoreItem xmlns:ds="http://schemas.openxmlformats.org/officeDocument/2006/customXml" ds:itemID="{CC6F28D4-53FA-4F14-AFAB-1812A41216CF}">
   <ds:schemaRefs>
     <ds:schemaRef ds:uri="http://schemas.microsoft.com/office/2006/metadata/contentType"/>
@@ -10069,6 +10343,14 @@
     <ds:schemaRef ds:uri="http://purl.org/dc/elements/1.1/"/>
     <ds:schemaRef ds:uri="http://purl.org/dc/terms/"/>
     <ds:schemaRef ds:uri="http://schemas.microsoft.com/internal/obd"/>
+  </ds:schemaRefs>
+</ds:datastoreItem>
+</file>
+
+<file path=customXml/itemProps2.xml><?xml version="1.0" encoding="utf-8"?>
+<ds:datastoreItem xmlns:ds="http://schemas.openxmlformats.org/officeDocument/2006/customXml" ds:itemID="{EEBBB74C-B5CF-4183-A3F1-CDB4EE8B2D6C}">
+  <ds:schemaRefs>
+    <ds:schemaRef ds:uri="http://schemas.microsoft.com/sharepoint/v3/contenttype/forms"/>
   </ds:schemaRefs>
 </ds:datastoreItem>
 </file>

--- a/slides/mug-30-slides-emiliano.pptx
+++ b/slides/mug-30-slides-emiliano.pptx
@@ -5425,6 +5425,36 @@
               <a:defRPr/>
             </a:pPr>
             <a:r>
+              <a:rPr kumimoji="0" lang="en-US" sz="5400" b="1" i="0" u="none" strike="noStrike" kern="1200" cap="none" spc="-50" normalizeH="0" baseline="0" noProof="0" dirty="0" err="1">
+                <a:ln w="3175">
+                  <a:noFill/>
+                </a:ln>
+                <a:solidFill>
+                  <a:schemeClr val="accent6"/>
+                </a:solidFill>
+                <a:effectLst/>
+                <a:uLnTx/>
+                <a:uFillTx/>
+                <a:latin typeface="Segoe UI"/>
+                <a:ea typeface="+mn-ea"/>
+                <a:cs typeface="Segoe UI"/>
+              </a:rPr>
+              <a:t>Documentaci</a:t>
+            </a:r>
+            <a:r>
+              <a:rPr lang="en-US" sz="5400" b="1" spc="-50" dirty="0">
+                <a:ln w="3175">
+                  <a:noFill/>
+                </a:ln>
+                <a:solidFill>
+                  <a:schemeClr val="accent6"/>
+                </a:solidFill>
+                <a:latin typeface="Segoe UI"/>
+                <a:cs typeface="Segoe UI"/>
+              </a:rPr>
+              <a:t>ó</a:t>
+            </a:r>
+            <a:r>
               <a:rPr kumimoji="0" lang="en-US" sz="5400" b="1" i="0" u="none" strike="noStrike" kern="1200" cap="none" spc="-50" normalizeH="0" baseline="0" noProof="0" dirty="0">
                 <a:ln w="3175">
                   <a:noFill/>
@@ -5439,7 +5469,7 @@
                 <a:ea typeface="+mn-ea"/>
                 <a:cs typeface="Segoe UI"/>
               </a:rPr>
-              <a:t>Documentation</a:t>
+              <a:t>n</a:t>
             </a:r>
             <a:r>
               <a:rPr kumimoji="0" lang="en-US" sz="5400" b="1" i="0" u="none" strike="noStrike" kern="1200" cap="none" spc="-50" normalizeH="0" baseline="0" noProof="0" dirty="0">
@@ -5868,7 +5898,7 @@
               <a:rPr lang="it-IT" dirty="0">
                 <a:latin typeface="Segoe UI Semibold"/>
               </a:rPr>
-              <a:t>Papá de las mas hermosa</a:t>
+              <a:t>Papá de las más hermosa</a:t>
             </a:r>
           </a:p>
           <a:p>
@@ -8019,7 +8049,7 @@
                                           </p:stCondLst>
                                         </p:cTn>
                                         <p:tgtEl>
-                                          <p:spTgt spid="4"/>
+                                          <p:spTgt spid="6"/>
                                         </p:tgtEl>
                                         <p:attrNameLst>
                                           <p:attrName>style.visibility</p:attrName>
@@ -8033,7 +8063,7 @@
                                       <p:cBhvr>
                                         <p:cTn id="7" dur="500"/>
                                         <p:tgtEl>
-                                          <p:spTgt spid="4"/>
+                                          <p:spTgt spid="6"/>
                                         </p:tgtEl>
                                       </p:cBhvr>
                                     </p:animEffect>
@@ -8054,7 +8084,7 @@
                                           </p:stCondLst>
                                         </p:cTn>
                                         <p:tgtEl>
-                                          <p:spTgt spid="9"/>
+                                          <p:spTgt spid="8"/>
                                         </p:tgtEl>
                                         <p:attrNameLst>
                                           <p:attrName>style.visibility</p:attrName>
@@ -8068,7 +8098,7 @@
                                       <p:cBhvr>
                                         <p:cTn id="10" dur="500"/>
                                         <p:tgtEl>
-                                          <p:spTgt spid="9"/>
+                                          <p:spTgt spid="8"/>
                                         </p:tgtEl>
                                       </p:cBhvr>
                                     </p:animEffect>
@@ -8089,7 +8119,7 @@
                                           </p:stCondLst>
                                         </p:cTn>
                                         <p:tgtEl>
-                                          <p:spTgt spid="3"/>
+                                          <p:spTgt spid="5"/>
                                         </p:tgtEl>
                                         <p:attrNameLst>
                                           <p:attrName>style.visibility</p:attrName>
@@ -8102,129 +8132,6 @@
                                     <p:animEffect transition="in" filter="fade">
                                       <p:cBhvr>
                                         <p:cTn id="13" dur="500"/>
-                                        <p:tgtEl>
-                                          <p:spTgt spid="3"/>
-                                        </p:tgtEl>
-                                      </p:cBhvr>
-                                    </p:animEffect>
-                                  </p:childTnLst>
-                                </p:cTn>
-                              </p:par>
-                            </p:childTnLst>
-                          </p:cTn>
-                        </p:par>
-                      </p:childTnLst>
-                    </p:cTn>
-                  </p:par>
-                  <p:par>
-                    <p:cTn id="14" fill="hold">
-                      <p:stCondLst>
-                        <p:cond delay="indefinite"/>
-                      </p:stCondLst>
-                      <p:childTnLst>
-                        <p:par>
-                          <p:cTn id="15" fill="hold">
-                            <p:stCondLst>
-                              <p:cond delay="0"/>
-                            </p:stCondLst>
-                            <p:childTnLst>
-                              <p:par>
-                                <p:cTn id="16" presetID="10" presetClass="entr" presetSubtype="0" fill="hold" grpId="0" nodeType="clickEffect">
-                                  <p:stCondLst>
-                                    <p:cond delay="0"/>
-                                  </p:stCondLst>
-                                  <p:childTnLst>
-                                    <p:set>
-                                      <p:cBhvr>
-                                        <p:cTn id="17" dur="1" fill="hold">
-                                          <p:stCondLst>
-                                            <p:cond delay="0"/>
-                                          </p:stCondLst>
-                                        </p:cTn>
-                                        <p:tgtEl>
-                                          <p:spTgt spid="6"/>
-                                        </p:tgtEl>
-                                        <p:attrNameLst>
-                                          <p:attrName>style.visibility</p:attrName>
-                                        </p:attrNameLst>
-                                      </p:cBhvr>
-                                      <p:to>
-                                        <p:strVal val="visible"/>
-                                      </p:to>
-                                    </p:set>
-                                    <p:animEffect transition="in" filter="fade">
-                                      <p:cBhvr>
-                                        <p:cTn id="18" dur="500"/>
-                                        <p:tgtEl>
-                                          <p:spTgt spid="6"/>
-                                        </p:tgtEl>
-                                      </p:cBhvr>
-                                    </p:animEffect>
-                                  </p:childTnLst>
-                                </p:cTn>
-                              </p:par>
-                              <p:par>
-                                <p:cTn id="19" presetID="10" presetClass="entr" presetSubtype="0" fill="hold" nodeType="withEffect">
-                                  <p:stCondLst>
-                                    <p:cond delay="0"/>
-                                  </p:stCondLst>
-                                  <p:childTnLst>
-                                    <p:set>
-                                      <p:cBhvr>
-                                        <p:cTn id="20" dur="1" fill="hold">
-                                          <p:stCondLst>
-                                            <p:cond delay="0"/>
-                                          </p:stCondLst>
-                                        </p:cTn>
-                                        <p:tgtEl>
-                                          <p:spTgt spid="8"/>
-                                        </p:tgtEl>
-                                        <p:attrNameLst>
-                                          <p:attrName>style.visibility</p:attrName>
-                                        </p:attrNameLst>
-                                      </p:cBhvr>
-                                      <p:to>
-                                        <p:strVal val="visible"/>
-                                      </p:to>
-                                    </p:set>
-                                    <p:animEffect transition="in" filter="fade">
-                                      <p:cBhvr>
-                                        <p:cTn id="21" dur="500"/>
-                                        <p:tgtEl>
-                                          <p:spTgt spid="8"/>
-                                        </p:tgtEl>
-                                      </p:cBhvr>
-                                    </p:animEffect>
-                                  </p:childTnLst>
-                                </p:cTn>
-                              </p:par>
-                              <p:par>
-                                <p:cTn id="22" presetID="10" presetClass="entr" presetSubtype="0" fill="hold" grpId="0" nodeType="withEffect">
-                                  <p:stCondLst>
-                                    <p:cond delay="0"/>
-                                  </p:stCondLst>
-                                  <p:childTnLst>
-                                    <p:set>
-                                      <p:cBhvr>
-                                        <p:cTn id="23" dur="1" fill="hold">
-                                          <p:stCondLst>
-                                            <p:cond delay="0"/>
-                                          </p:stCondLst>
-                                        </p:cTn>
-                                        <p:tgtEl>
-                                          <p:spTgt spid="5"/>
-                                        </p:tgtEl>
-                                        <p:attrNameLst>
-                                          <p:attrName>style.visibility</p:attrName>
-                                        </p:attrNameLst>
-                                      </p:cBhvr>
-                                      <p:to>
-                                        <p:strVal val="visible"/>
-                                      </p:to>
-                                    </p:set>
-                                    <p:animEffect transition="in" filter="fade">
-                                      <p:cBhvr>
-                                        <p:cTn id="24" dur="500"/>
                                         <p:tgtEl>
                                           <p:spTgt spid="5"/>
                                         </p:tgtEl>
@@ -8261,8 +8168,6 @@
       </p:par>
     </p:tnLst>
     <p:bldLst>
-      <p:bldP spid="3" grpId="0"/>
-      <p:bldP spid="4" grpId="0"/>
       <p:bldP spid="5" grpId="0"/>
       <p:bldP spid="6" grpId="0"/>
     </p:bldLst>
@@ -8381,7 +8286,7 @@
               <a:t> mi </a:t>
             </a:r>
             <a:r>
-              <a:rPr lang="en-US" sz="6000">
+              <a:rPr lang="en-US" sz="6000" dirty="0" err="1">
                 <a:latin typeface="Segoe UI Semibold"/>
                 <a:cs typeface="Segoe UI"/>
               </a:rPr>
@@ -9011,7 +8916,7 @@
         </p:nvSpPr>
         <p:spPr>
           <a:xfrm>
-            <a:off x="6715658" y="1436398"/>
+            <a:off x="6469824" y="1351507"/>
             <a:ext cx="5089766" cy="4154984"/>
           </a:xfrm>
           <a:prstGeom prst="rect">
@@ -9129,7 +9034,7 @@
         </p:blipFill>
         <p:spPr bwMode="auto">
           <a:xfrm>
-            <a:off x="984997" y="936399"/>
+            <a:off x="632410" y="936401"/>
             <a:ext cx="5344085" cy="4985197"/>
           </a:xfrm>
           <a:prstGeom prst="rect">
